--- a/Portada.pptx
+++ b/Portada.pptx
@@ -105,6 +105,11 @@
       </a:defRPr>
     </a:lvl9pPr>
   </p:defaultTextStyle>
+  <p:extLst>
+    <p:ext uri="{EFAFB233-063F-42B5-8137-9DF3F51BA10A}">
+      <p15:sldGuideLst xmlns:p15="http://schemas.microsoft.com/office/powerpoint/2012/main"/>
+    </p:ext>
+  </p:extLst>
 </p:presentation>
 </file>
 
@@ -239,7 +244,7 @@
           <a:p>
             <a:fld id="{726DF1A4-4A97-6C4E-A2FB-A6072D1860A1}" type="datetimeFigureOut">
               <a:rPr lang="es-ES_tradnl" smtClean="0"/>
-              <a:t>6/7/16</a:t>
+              <a:t>18/11/16</a:t>
             </a:fld>
             <a:endParaRPr lang="es-ES_tradnl"/>
           </a:p>
@@ -409,7 +414,7 @@
           <a:p>
             <a:fld id="{726DF1A4-4A97-6C4E-A2FB-A6072D1860A1}" type="datetimeFigureOut">
               <a:rPr lang="es-ES_tradnl" smtClean="0"/>
-              <a:t>6/7/16</a:t>
+              <a:t>18/11/16</a:t>
             </a:fld>
             <a:endParaRPr lang="es-ES_tradnl"/>
           </a:p>
@@ -589,7 +594,7 @@
           <a:p>
             <a:fld id="{726DF1A4-4A97-6C4E-A2FB-A6072D1860A1}" type="datetimeFigureOut">
               <a:rPr lang="es-ES_tradnl" smtClean="0"/>
-              <a:t>6/7/16</a:t>
+              <a:t>18/11/16</a:t>
             </a:fld>
             <a:endParaRPr lang="es-ES_tradnl"/>
           </a:p>
@@ -759,7 +764,7 @@
           <a:p>
             <a:fld id="{726DF1A4-4A97-6C4E-A2FB-A6072D1860A1}" type="datetimeFigureOut">
               <a:rPr lang="es-ES_tradnl" smtClean="0"/>
-              <a:t>6/7/16</a:t>
+              <a:t>18/11/16</a:t>
             </a:fld>
             <a:endParaRPr lang="es-ES_tradnl"/>
           </a:p>
@@ -1005,7 +1010,7 @@
           <a:p>
             <a:fld id="{726DF1A4-4A97-6C4E-A2FB-A6072D1860A1}" type="datetimeFigureOut">
               <a:rPr lang="es-ES_tradnl" smtClean="0"/>
-              <a:t>6/7/16</a:t>
+              <a:t>18/11/16</a:t>
             </a:fld>
             <a:endParaRPr lang="es-ES_tradnl"/>
           </a:p>
@@ -1237,7 +1242,7 @@
           <a:p>
             <a:fld id="{726DF1A4-4A97-6C4E-A2FB-A6072D1860A1}" type="datetimeFigureOut">
               <a:rPr lang="es-ES_tradnl" smtClean="0"/>
-              <a:t>6/7/16</a:t>
+              <a:t>18/11/16</a:t>
             </a:fld>
             <a:endParaRPr lang="es-ES_tradnl"/>
           </a:p>
@@ -1604,7 +1609,7 @@
           <a:p>
             <a:fld id="{726DF1A4-4A97-6C4E-A2FB-A6072D1860A1}" type="datetimeFigureOut">
               <a:rPr lang="es-ES_tradnl" smtClean="0"/>
-              <a:t>6/7/16</a:t>
+              <a:t>18/11/16</a:t>
             </a:fld>
             <a:endParaRPr lang="es-ES_tradnl"/>
           </a:p>
@@ -1722,7 +1727,7 @@
           <a:p>
             <a:fld id="{726DF1A4-4A97-6C4E-A2FB-A6072D1860A1}" type="datetimeFigureOut">
               <a:rPr lang="es-ES_tradnl" smtClean="0"/>
-              <a:t>6/7/16</a:t>
+              <a:t>18/11/16</a:t>
             </a:fld>
             <a:endParaRPr lang="es-ES_tradnl"/>
           </a:p>
@@ -1817,7 +1822,7 @@
           <a:p>
             <a:fld id="{726DF1A4-4A97-6C4E-A2FB-A6072D1860A1}" type="datetimeFigureOut">
               <a:rPr lang="es-ES_tradnl" smtClean="0"/>
-              <a:t>6/7/16</a:t>
+              <a:t>18/11/16</a:t>
             </a:fld>
             <a:endParaRPr lang="es-ES_tradnl"/>
           </a:p>
@@ -2094,7 +2099,7 @@
           <a:p>
             <a:fld id="{726DF1A4-4A97-6C4E-A2FB-A6072D1860A1}" type="datetimeFigureOut">
               <a:rPr lang="es-ES_tradnl" smtClean="0"/>
-              <a:t>6/7/16</a:t>
+              <a:t>18/11/16</a:t>
             </a:fld>
             <a:endParaRPr lang="es-ES_tradnl"/>
           </a:p>
@@ -2351,7 +2356,7 @@
           <a:p>
             <a:fld id="{726DF1A4-4A97-6C4E-A2FB-A6072D1860A1}" type="datetimeFigureOut">
               <a:rPr lang="es-ES_tradnl" smtClean="0"/>
-              <a:t>6/7/16</a:t>
+              <a:t>18/11/16</a:t>
             </a:fld>
             <a:endParaRPr lang="es-ES_tradnl"/>
           </a:p>
@@ -2564,7 +2569,7 @@
           <a:p>
             <a:fld id="{726DF1A4-4A97-6C4E-A2FB-A6072D1860A1}" type="datetimeFigureOut">
               <a:rPr lang="es-ES_tradnl" smtClean="0"/>
-              <a:t>6/7/16</a:t>
+              <a:t>18/11/16</a:t>
             </a:fld>
             <a:endParaRPr lang="es-ES_tradnl"/>
           </a:p>
@@ -3172,8 +3177,8 @@
         </p:nvSpPr>
         <p:spPr>
           <a:xfrm>
-            <a:off x="936000" y="288000"/>
-            <a:ext cx="2160946" cy="1595309"/>
+            <a:off x="900000" y="288000"/>
+            <a:ext cx="2307784" cy="1595309"/>
           </a:xfrm>
           <a:prstGeom prst="rect">
             <a:avLst/>
@@ -3192,17 +3197,30 @@
                 <a:ea typeface="Helvetica" charset="0"/>
                 <a:cs typeface="Helvetica" charset="0"/>
               </a:rPr>
-              <a:t>Roberto Valladares Piedras</a:t>
-            </a:r>
-          </a:p>
-          <a:p>
-            <a:r>
-              <a:rPr lang="es-ES_tradnl" sz="1100" dirty="0" smtClean="0">
+              <a:t>Alba Muñoz Luengo</a:t>
+            </a:r>
+            <a:endParaRPr lang="es-ES_tradnl" sz="1100" b="1" dirty="0" smtClean="0">
+              <a:latin typeface="Helvetica" charset="0"/>
+              <a:ea typeface="Helvetica" charset="0"/>
+              <a:cs typeface="Helvetica" charset="0"/>
+            </a:endParaRPr>
+          </a:p>
+          <a:p>
+            <a:r>
+              <a:rPr lang="es-ES" sz="1100" dirty="0" smtClean="0">
                 <a:latin typeface="Helvetica" charset="0"/>
                 <a:ea typeface="Helvetica" charset="0"/>
                 <a:cs typeface="Helvetica" charset="0"/>
               </a:rPr>
-              <a:t>Director y Agente</a:t>
+              <a:t>Relaciones P</a:t>
+            </a:r>
+            <a:r>
+              <a:rPr lang="es-ES" sz="1100" dirty="0" smtClean="0">
+                <a:latin typeface="Helvetica" charset="0"/>
+                <a:ea typeface="Helvetica" charset="0"/>
+                <a:cs typeface="Helvetica" charset="0"/>
+              </a:rPr>
+              <a:t>úblicas y Comunicación</a:t>
             </a:r>
             <a:endParaRPr lang="es-ES_tradnl" sz="1200" dirty="0">
               <a:latin typeface="Helvetica" charset="0"/>
@@ -3225,8 +3243,21 @@
                 <a:ea typeface="Helvetica" charset="0"/>
                 <a:cs typeface="Helvetica" charset="0"/>
               </a:rPr>
-              <a:t>044 55 4454 5312</a:t>
-            </a:r>
+              <a:t>044 55 </a:t>
+            </a:r>
+            <a:r>
+              <a:rPr lang="es-ES_tradnl" sz="950" smtClean="0">
+                <a:latin typeface="Helvetica" charset="0"/>
+                <a:ea typeface="Helvetica" charset="0"/>
+                <a:cs typeface="Helvetica" charset="0"/>
+              </a:rPr>
+              <a:t>6218 0739</a:t>
+            </a:r>
+            <a:endParaRPr lang="es-ES_tradnl" sz="950" dirty="0" smtClean="0">
+              <a:latin typeface="Helvetica" charset="0"/>
+              <a:ea typeface="Helvetica" charset="0"/>
+              <a:cs typeface="Helvetica" charset="0"/>
+            </a:endParaRPr>
           </a:p>
           <a:p>
             <a:pPr marL="225425">
@@ -3240,7 +3271,15 @@
                 <a:ea typeface="Helvetica" charset="0"/>
                 <a:cs typeface="Helvetica" charset="0"/>
               </a:rPr>
-              <a:t>roberto@primeraraiz.com</a:t>
+              <a:t>alba</a:t>
+            </a:r>
+            <a:r>
+              <a:rPr lang="es-ES_tradnl" sz="950" dirty="0" err="1" smtClean="0">
+                <a:latin typeface="Helvetica" charset="0"/>
+                <a:ea typeface="Helvetica" charset="0"/>
+                <a:cs typeface="Helvetica" charset="0"/>
+              </a:rPr>
+              <a:t>@primeraraiz.com</a:t>
             </a:r>
             <a:r>
               <a:rPr lang="es-ES_tradnl" sz="950" dirty="0" smtClean="0">
@@ -3250,6 +3289,11 @@
               </a:rPr>
               <a:t> </a:t>
             </a:r>
+            <a:endParaRPr lang="es-ES_tradnl" sz="950" dirty="0" smtClean="0">
+              <a:latin typeface="Helvetica" charset="0"/>
+              <a:ea typeface="Helvetica" charset="0"/>
+              <a:cs typeface="Helvetica" charset="0"/>
+            </a:endParaRPr>
           </a:p>
           <a:p>
             <a:pPr marL="3175">
@@ -3282,7 +3326,23 @@
                 <a:ea typeface="Helvetica" charset="0"/>
                 <a:cs typeface="Helvetica" charset="0"/>
               </a:rPr>
-              <a:t> Niágara 38, Col. Cuauhtémoc   Ciudad de México, C.P. 06500</a:t>
+              <a:t> Niágara 38, Col. </a:t>
+            </a:r>
+            <a:r>
+              <a:rPr lang="es-ES" sz="950" dirty="0" smtClean="0">
+                <a:latin typeface="Helvetica" charset="0"/>
+                <a:ea typeface="Helvetica" charset="0"/>
+                <a:cs typeface="Helvetica" charset="0"/>
+              </a:rPr>
+              <a:t>Cuauhtémoc    Ciudad </a:t>
+            </a:r>
+            <a:r>
+              <a:rPr lang="es-ES" sz="950" dirty="0" smtClean="0">
+                <a:latin typeface="Helvetica" charset="0"/>
+                <a:ea typeface="Helvetica" charset="0"/>
+                <a:cs typeface="Helvetica" charset="0"/>
+              </a:rPr>
+              <a:t>de México, C.P. 06500</a:t>
             </a:r>
             <a:endParaRPr lang="es-ES_tradnl" sz="950" dirty="0" smtClean="0">
               <a:latin typeface="Helvetica" charset="0"/>
